--- a/WireFrame.pptx
+++ b/WireFrame.pptx
@@ -6,9 +6,8 @@
   </p:sldMasterIdLst>
   <p:sldIdLst>
     <p:sldId id="256" r:id="rId2"/>
-    <p:sldId id="259" r:id="rId3"/>
-    <p:sldId id="258" r:id="rId4"/>
-    <p:sldId id="257" r:id="rId5"/>
+    <p:sldId id="258" r:id="rId3"/>
+    <p:sldId id="257" r:id="rId4"/>
   </p:sldIdLst>
   <p:sldSz cx="12192000" cy="6858000"/>
   <p:notesSz cx="6858000" cy="9144000"/>
@@ -164,27 +163,6 @@
 </p188:cmLst>
 </file>
 
-<file path=ppt/comments/modernComment_103_C8699EF3.xml><?xml version="1.0" encoding="utf-8"?>
-<p188:cmLst xmlns:a="http://schemas.openxmlformats.org/drawingml/2006/main" xmlns:r="http://schemas.openxmlformats.org/officeDocument/2006/relationships" xmlns:p188="http://schemas.microsoft.com/office/powerpoint/2018/8/main">
-  <p188:cm id="{333D2945-20D4-44A0-8D24-BCA82689C511}" authorId="{20823AD7-3DD3-A8CE-78B2-CEFB45BAACB7}" created="2022-06-04T23:25:05.235">
-    <pc:sldMkLst xmlns:pc="http://schemas.microsoft.com/office/powerpoint/2013/main/command">
-      <pc:docMk/>
-      <pc:sldMk cId="3362365171" sldId="259"/>
-    </pc:sldMkLst>
-    <p188:txBody>
-      <a:bodyPr/>
-      <a:lstStyle/>
-      <a:p>
-        <a:r>
-          <a:rPr lang="en-US"/>
-          <a:t>Options greyed out if not logged in. On mouse hover, tooltip say "You must Login"</a:t>
-        </a:r>
-      </a:p>
-    </p188:txBody>
-  </p188:cm>
-</p188:cmLst>
-</file>
-
 <file path=ppt/slideLayouts/slideLayout1.xml><?xml version="1.0" encoding="utf-8"?>
 <p:sldLayout xmlns:a="http://schemas.openxmlformats.org/drawingml/2006/main" xmlns:r="http://schemas.openxmlformats.org/officeDocument/2006/relationships" xmlns:p="http://schemas.openxmlformats.org/presentationml/2006/main" type="title" preserve="1">
   <p:cSld name="Title Slide">
@@ -332,7 +310,7 @@
           <a:p>
             <a:fld id="{0E37F5EE-767C-414C-8732-462471CF6F97}" type="datetimeFigureOut">
               <a:rPr lang="en-US" smtClean="0"/>
-              <a:t>6/4/2022</a:t>
+              <a:t>6/8/2022</a:t>
             </a:fld>
             <a:endParaRPr lang="en-US"/>
           </a:p>
@@ -530,7 +508,7 @@
           <a:p>
             <a:fld id="{0E37F5EE-767C-414C-8732-462471CF6F97}" type="datetimeFigureOut">
               <a:rPr lang="en-US" smtClean="0"/>
-              <a:t>6/4/2022</a:t>
+              <a:t>6/8/2022</a:t>
             </a:fld>
             <a:endParaRPr lang="en-US"/>
           </a:p>
@@ -738,7 +716,7 @@
           <a:p>
             <a:fld id="{0E37F5EE-767C-414C-8732-462471CF6F97}" type="datetimeFigureOut">
               <a:rPr lang="en-US" smtClean="0"/>
-              <a:t>6/4/2022</a:t>
+              <a:t>6/8/2022</a:t>
             </a:fld>
             <a:endParaRPr lang="en-US"/>
           </a:p>
@@ -936,7 +914,7 @@
           <a:p>
             <a:fld id="{0E37F5EE-767C-414C-8732-462471CF6F97}" type="datetimeFigureOut">
               <a:rPr lang="en-US" smtClean="0"/>
-              <a:t>6/4/2022</a:t>
+              <a:t>6/8/2022</a:t>
             </a:fld>
             <a:endParaRPr lang="en-US"/>
           </a:p>
@@ -1211,7 +1189,7 @@
           <a:p>
             <a:fld id="{0E37F5EE-767C-414C-8732-462471CF6F97}" type="datetimeFigureOut">
               <a:rPr lang="en-US" smtClean="0"/>
-              <a:t>6/4/2022</a:t>
+              <a:t>6/8/2022</a:t>
             </a:fld>
             <a:endParaRPr lang="en-US"/>
           </a:p>
@@ -1476,7 +1454,7 @@
           <a:p>
             <a:fld id="{0E37F5EE-767C-414C-8732-462471CF6F97}" type="datetimeFigureOut">
               <a:rPr lang="en-US" smtClean="0"/>
-              <a:t>6/4/2022</a:t>
+              <a:t>6/8/2022</a:t>
             </a:fld>
             <a:endParaRPr lang="en-US"/>
           </a:p>
@@ -1888,7 +1866,7 @@
           <a:p>
             <a:fld id="{0E37F5EE-767C-414C-8732-462471CF6F97}" type="datetimeFigureOut">
               <a:rPr lang="en-US" smtClean="0"/>
-              <a:t>6/4/2022</a:t>
+              <a:t>6/8/2022</a:t>
             </a:fld>
             <a:endParaRPr lang="en-US"/>
           </a:p>
@@ -2029,7 +2007,7 @@
           <a:p>
             <a:fld id="{0E37F5EE-767C-414C-8732-462471CF6F97}" type="datetimeFigureOut">
               <a:rPr lang="en-US" smtClean="0"/>
-              <a:t>6/4/2022</a:t>
+              <a:t>6/8/2022</a:t>
             </a:fld>
             <a:endParaRPr lang="en-US"/>
           </a:p>
@@ -2142,7 +2120,7 @@
           <a:p>
             <a:fld id="{0E37F5EE-767C-414C-8732-462471CF6F97}" type="datetimeFigureOut">
               <a:rPr lang="en-US" smtClean="0"/>
-              <a:t>6/4/2022</a:t>
+              <a:t>6/8/2022</a:t>
             </a:fld>
             <a:endParaRPr lang="en-US"/>
           </a:p>
@@ -2453,7 +2431,7 @@
           <a:p>
             <a:fld id="{0E37F5EE-767C-414C-8732-462471CF6F97}" type="datetimeFigureOut">
               <a:rPr lang="en-US" smtClean="0"/>
-              <a:t>6/4/2022</a:t>
+              <a:t>6/8/2022</a:t>
             </a:fld>
             <a:endParaRPr lang="en-US"/>
           </a:p>
@@ -2741,7 +2719,7 @@
           <a:p>
             <a:fld id="{0E37F5EE-767C-414C-8732-462471CF6F97}" type="datetimeFigureOut">
               <a:rPr lang="en-US" smtClean="0"/>
-              <a:t>6/4/2022</a:t>
+              <a:t>6/8/2022</a:t>
             </a:fld>
             <a:endParaRPr lang="en-US"/>
           </a:p>
@@ -2982,7 +2960,7 @@
           <a:p>
             <a:fld id="{0E37F5EE-767C-414C-8732-462471CF6F97}" type="datetimeFigureOut">
               <a:rPr lang="en-US" smtClean="0"/>
-              <a:t>6/4/2022</a:t>
+              <a:t>6/8/2022</a:t>
             </a:fld>
             <a:endParaRPr lang="en-US"/>
           </a:p>
@@ -3427,7 +3405,7 @@
         </p:blipFill>
         <p:spPr>
           <a:xfrm>
-            <a:off x="-99303" y="0"/>
+            <a:off x="-99303" y="10675"/>
             <a:ext cx="12390606" cy="6858000"/>
           </a:xfrm>
           <a:prstGeom prst="rect">
@@ -3456,9 +3434,7 @@
             <a:avLst/>
           </a:prstGeom>
           <a:solidFill>
-            <a:schemeClr val="accent1">
-              <a:lumMod val="50000"/>
-            </a:schemeClr>
+            <a:schemeClr val="tx1"/>
           </a:solidFill>
         </p:spPr>
         <p:style>
@@ -3500,8 +3476,8 @@
         </p:nvGrpSpPr>
         <p:grpSpPr>
           <a:xfrm>
-            <a:off x="3512355" y="1439666"/>
-            <a:ext cx="5365896" cy="4168769"/>
+            <a:off x="3512355" y="2377440"/>
+            <a:ext cx="5365896" cy="3230995"/>
             <a:chOff x="407878" y="1459959"/>
             <a:chExt cx="5365896" cy="4168769"/>
           </a:xfrm>
@@ -3957,182 +3933,98 @@
           </p:txBody>
         </p:sp>
       </p:grpSp>
-      <p:grpSp>
-        <p:nvGrpSpPr>
-          <p:cNvPr id="42" name="Group 41">
-            <a:extLst>
-              <a:ext uri="{FF2B5EF4-FFF2-40B4-BE49-F238E27FC236}">
-                <a16:creationId xmlns:a16="http://schemas.microsoft.com/office/drawing/2014/main" id="{82B43AC8-4977-AFCD-367B-680C2AE45D03}"/>
-              </a:ext>
-            </a:extLst>
-          </p:cNvPr>
-          <p:cNvGrpSpPr/>
+      <p:sp>
+        <p:nvSpPr>
+          <p:cNvPr id="38" name="Rectangle 37">
+            <a:extLst>
+              <a:ext uri="{FF2B5EF4-FFF2-40B4-BE49-F238E27FC236}">
+                <a16:creationId xmlns:a16="http://schemas.microsoft.com/office/drawing/2014/main" id="{E9A078F7-C532-05A7-8CEA-756E6D3DAA90}"/>
+              </a:ext>
+            </a:extLst>
+          </p:cNvPr>
+          <p:cNvSpPr/>
           <p:nvPr/>
-        </p:nvGrpSpPr>
-        <p:grpSpPr>
+        </p:nvSpPr>
+        <p:spPr>
           <a:xfrm>
-            <a:off x="-247650" y="16142"/>
-            <a:ext cx="12538953" cy="1162920"/>
-            <a:chOff x="-247650" y="-18859"/>
-            <a:chExt cx="12538953" cy="1162920"/>
+            <a:off x="-99303" y="10675"/>
+            <a:ext cx="12390606" cy="1162920"/>
           </a:xfrm>
-        </p:grpSpPr>
-        <p:sp>
-          <p:nvSpPr>
-            <p:cNvPr id="38" name="Rectangle 37">
-              <a:extLst>
-                <a:ext uri="{FF2B5EF4-FFF2-40B4-BE49-F238E27FC236}">
-                  <a16:creationId xmlns:a16="http://schemas.microsoft.com/office/drawing/2014/main" id="{E9A078F7-C532-05A7-8CEA-756E6D3DAA90}"/>
-                </a:ext>
-              </a:extLst>
-            </p:cNvPr>
-            <p:cNvSpPr/>
-            <p:nvPr/>
-          </p:nvSpPr>
-          <p:spPr>
-            <a:xfrm>
-              <a:off x="-99303" y="-18859"/>
-              <a:ext cx="12390606" cy="1162920"/>
-            </a:xfrm>
-            <a:prstGeom prst="rect">
-              <a:avLst/>
-            </a:prstGeom>
-            <a:solidFill>
-              <a:schemeClr val="accent1">
-                <a:lumMod val="50000"/>
-              </a:schemeClr>
-            </a:solidFill>
-          </p:spPr>
-          <p:style>
-            <a:lnRef idx="2">
-              <a:schemeClr val="accent1">
-                <a:shade val="50000"/>
-              </a:schemeClr>
-            </a:lnRef>
-            <a:fillRef idx="1">
-              <a:schemeClr val="accent1"/>
-            </a:fillRef>
-            <a:effectRef idx="0">
-              <a:schemeClr val="accent1"/>
-            </a:effectRef>
-            <a:fontRef idx="minor">
-              <a:schemeClr val="lt1"/>
-            </a:fontRef>
-          </p:style>
-          <p:txBody>
-            <a:bodyPr rtlCol="0" anchor="ctr"/>
-            <a:lstStyle/>
-            <a:p>
-              <a:pPr algn="ctr"/>
-              <a:endParaRPr lang="en-US">
-                <a:ln w="0"/>
-                <a:solidFill>
-                  <a:schemeClr val="tx1"/>
-                </a:solidFill>
-                <a:effectLst>
-                  <a:outerShdw blurRad="38100" dist="19050" dir="2700000" algn="tl" rotWithShape="0">
-                    <a:schemeClr val="dk1">
-                      <a:alpha val="40000"/>
-                    </a:schemeClr>
-                  </a:outerShdw>
-                </a:effectLst>
-              </a:endParaRPr>
-            </a:p>
-          </p:txBody>
-        </p:sp>
-        <p:sp>
-          <p:nvSpPr>
-            <p:cNvPr id="9" name="Rectangle 8">
-              <a:extLst>
-                <a:ext uri="{FF2B5EF4-FFF2-40B4-BE49-F238E27FC236}">
-                  <a16:creationId xmlns:a16="http://schemas.microsoft.com/office/drawing/2014/main" id="{6ACF0991-47CA-D110-C034-382436C76B56}"/>
-                </a:ext>
-              </a:extLst>
-            </p:cNvPr>
-            <p:cNvSpPr/>
-            <p:nvPr/>
-          </p:nvSpPr>
-          <p:spPr>
-            <a:xfrm>
-              <a:off x="-247650" y="95250"/>
-              <a:ext cx="2747091" cy="369332"/>
-            </a:xfrm>
-            <a:prstGeom prst="rect">
-              <a:avLst/>
-            </a:prstGeom>
-            <a:noFill/>
-          </p:spPr>
-          <p:txBody>
-            <a:bodyPr wrap="square" lIns="91440" tIns="45720" rIns="91440" bIns="45720">
-              <a:spAutoFit/>
-            </a:bodyPr>
-            <a:lstStyle/>
-            <a:p>
-              <a:pPr algn="ctr"/>
-              <a:r>
-                <a:rPr lang="en-US" b="1" dirty="0">
-                  <a:ln w="10160">
-                    <a:solidFill>
-                      <a:schemeClr val="accent5"/>
-                    </a:solidFill>
-                    <a:prstDash val="solid"/>
-                  </a:ln>
-                  <a:solidFill>
-                    <a:srgbClr val="FFFFFF"/>
-                  </a:solidFill>
-                  <a:effectLst>
-                    <a:outerShdw blurRad="38100" dist="22860" dir="5400000" algn="tl" rotWithShape="0">
-                      <a:srgbClr val="000000">
-                        <a:alpha val="30000"/>
-                      </a:srgbClr>
-                    </a:outerShdw>
-                  </a:effectLst>
-                </a:rPr>
-                <a:t>{&lt;&gt;}</a:t>
-              </a:r>
-              <a:r>
-                <a:rPr lang="en-US" b="1" dirty="0" err="1">
-                  <a:ln w="10160">
-                    <a:solidFill>
-                      <a:schemeClr val="accent5"/>
-                    </a:solidFill>
-                    <a:prstDash val="solid"/>
-                  </a:ln>
-                  <a:solidFill>
-                    <a:srgbClr val="FFFFFF"/>
-                  </a:solidFill>
-                  <a:effectLst>
-                    <a:outerShdw blurRad="38100" dist="22860" dir="5400000" algn="tl" rotWithShape="0">
-                      <a:srgbClr val="000000">
-                        <a:alpha val="30000"/>
-                      </a:srgbClr>
-                    </a:outerShdw>
-                  </a:effectLst>
-                </a:rPr>
-                <a:t>coderSayWhat</a:t>
-              </a:r>
-              <a:r>
-                <a:rPr lang="en-US" b="1" dirty="0">
-                  <a:ln w="10160">
-                    <a:solidFill>
-                      <a:schemeClr val="accent5"/>
-                    </a:solidFill>
-                    <a:prstDash val="solid"/>
-                  </a:ln>
-                  <a:solidFill>
-                    <a:srgbClr val="FFFFFF"/>
-                  </a:solidFill>
-                  <a:effectLst>
-                    <a:outerShdw blurRad="38100" dist="22860" dir="5400000" algn="tl" rotWithShape="0">
-                      <a:srgbClr val="000000">
-                        <a:alpha val="30000"/>
-                      </a:srgbClr>
-                    </a:outerShdw>
-                  </a:effectLst>
-                </a:rPr>
-                <a:t>?</a:t>
-              </a:r>
-              <a:endParaRPr lang="en-US" b="1" cap="none" spc="0" dirty="0">
+          <a:prstGeom prst="rect">
+            <a:avLst/>
+          </a:prstGeom>
+          <a:solidFill>
+            <a:schemeClr val="tx1"/>
+          </a:solidFill>
+        </p:spPr>
+        <p:style>
+          <a:lnRef idx="2">
+            <a:schemeClr val="accent1">
+              <a:shade val="50000"/>
+            </a:schemeClr>
+          </a:lnRef>
+          <a:fillRef idx="1">
+            <a:schemeClr val="accent1"/>
+          </a:fillRef>
+          <a:effectRef idx="0">
+            <a:schemeClr val="accent1"/>
+          </a:effectRef>
+          <a:fontRef idx="minor">
+            <a:schemeClr val="lt1"/>
+          </a:fontRef>
+        </p:style>
+        <p:txBody>
+          <a:bodyPr rtlCol="0" anchor="ctr"/>
+          <a:lstStyle/>
+          <a:p>
+            <a:pPr algn="ctr"/>
+            <a:endParaRPr lang="en-US">
+              <a:ln w="0"/>
+              <a:solidFill>
+                <a:schemeClr val="tx1"/>
+              </a:solidFill>
+              <a:effectLst>
+                <a:outerShdw blurRad="38100" dist="19050" dir="2700000" algn="tl" rotWithShape="0">
+                  <a:schemeClr val="dk1">
+                    <a:alpha val="40000"/>
+                  </a:schemeClr>
+                </a:outerShdw>
+              </a:effectLst>
+            </a:endParaRPr>
+          </a:p>
+        </p:txBody>
+      </p:sp>
+      <p:sp>
+        <p:nvSpPr>
+          <p:cNvPr id="9" name="Rectangle 8">
+            <a:extLst>
+              <a:ext uri="{FF2B5EF4-FFF2-40B4-BE49-F238E27FC236}">
+                <a16:creationId xmlns:a16="http://schemas.microsoft.com/office/drawing/2014/main" id="{6ACF0991-47CA-D110-C034-382436C76B56}"/>
+              </a:ext>
+            </a:extLst>
+          </p:cNvPr>
+          <p:cNvSpPr/>
+          <p:nvPr/>
+        </p:nvSpPr>
+        <p:spPr>
+          <a:xfrm>
+            <a:off x="-247650" y="130251"/>
+            <a:ext cx="2747091" cy="369332"/>
+          </a:xfrm>
+          <a:prstGeom prst="rect">
+            <a:avLst/>
+          </a:prstGeom>
+          <a:noFill/>
+        </p:spPr>
+        <p:txBody>
+          <a:bodyPr wrap="square" lIns="91440" tIns="45720" rIns="91440" bIns="45720">
+            <a:spAutoFit/>
+          </a:bodyPr>
+          <a:lstStyle/>
+          <a:p>
+            <a:pPr algn="ctr"/>
+            <a:r>
+              <a:rPr lang="en-US" b="1" dirty="0" err="1">
                 <a:ln w="10160">
                   <a:solidFill>
                     <a:schemeClr val="accent5"/>
@@ -4140,7 +4032,7 @@
                   <a:prstDash val="solid"/>
                 </a:ln>
                 <a:solidFill>
-                  <a:srgbClr val="FFFFFF"/>
+                  <a:srgbClr val="92D050"/>
                 </a:solidFill>
                 <a:effectLst>
                   <a:outerShdw blurRad="38100" dist="22860" dir="5400000" algn="tl" rotWithShape="0">
@@ -4149,57 +4041,118 @@
                     </a:srgbClr>
                   </a:outerShdw>
                 </a:effectLst>
-              </a:endParaRPr>
-            </a:p>
-          </p:txBody>
-        </p:sp>
-        <p:sp>
-          <p:nvSpPr>
-            <p:cNvPr id="12" name="Rectangle 11">
-              <a:extLst>
-                <a:ext uri="{FF2B5EF4-FFF2-40B4-BE49-F238E27FC236}">
-                  <a16:creationId xmlns:a16="http://schemas.microsoft.com/office/drawing/2014/main" id="{E4F52E2D-53DA-A2D6-0C73-EC98D3AC52F7}"/>
-                </a:ext>
-              </a:extLst>
-            </p:cNvPr>
-            <p:cNvSpPr/>
-            <p:nvPr/>
-          </p:nvSpPr>
-          <p:spPr>
-            <a:xfrm>
-              <a:off x="2638425" y="704850"/>
-              <a:ext cx="6353175" cy="381958"/>
-            </a:xfrm>
-            <a:prstGeom prst="rect">
-              <a:avLst/>
-            </a:prstGeom>
-          </p:spPr>
-          <p:style>
-            <a:lnRef idx="2">
-              <a:schemeClr val="accent1"/>
-            </a:lnRef>
-            <a:fillRef idx="1">
-              <a:schemeClr val="lt1"/>
-            </a:fillRef>
-            <a:effectRef idx="0">
-              <a:schemeClr val="accent1"/>
-            </a:effectRef>
-            <a:fontRef idx="minor">
-              <a:schemeClr val="dk1"/>
-            </a:fontRef>
-          </p:style>
-          <p:txBody>
-            <a:bodyPr rtlCol="0" anchor="ctr"/>
-            <a:lstStyle/>
-            <a:p>
-              <a:pPr algn="ctr"/>
-              <a:r>
-                <a:rPr lang="en-US" dirty="0"/>
-                <a:t>Search</a:t>
-              </a:r>
-            </a:p>
-          </p:txBody>
-        </p:sp>
+              </a:rPr>
+              <a:t>coderSayWhat</a:t>
+            </a:r>
+            <a:r>
+              <a:rPr lang="en-US" b="1" dirty="0">
+                <a:ln w="10160">
+                  <a:solidFill>
+                    <a:schemeClr val="accent5"/>
+                  </a:solidFill>
+                  <a:prstDash val="solid"/>
+                </a:ln>
+                <a:solidFill>
+                  <a:srgbClr val="92D050"/>
+                </a:solidFill>
+                <a:effectLst>
+                  <a:outerShdw blurRad="38100" dist="22860" dir="5400000" algn="tl" rotWithShape="0">
+                    <a:srgbClr val="000000">
+                      <a:alpha val="30000"/>
+                    </a:srgbClr>
+                  </a:outerShdw>
+                </a:effectLst>
+              </a:rPr>
+              <a:t>?</a:t>
+            </a:r>
+            <a:endParaRPr lang="en-US" b="1" cap="none" spc="0" dirty="0">
+              <a:ln w="10160">
+                <a:solidFill>
+                  <a:schemeClr val="accent5"/>
+                </a:solidFill>
+                <a:prstDash val="solid"/>
+              </a:ln>
+              <a:solidFill>
+                <a:srgbClr val="92D050"/>
+              </a:solidFill>
+              <a:effectLst>
+                <a:outerShdw blurRad="38100" dist="22860" dir="5400000" algn="tl" rotWithShape="0">
+                  <a:srgbClr val="000000">
+                    <a:alpha val="30000"/>
+                  </a:srgbClr>
+                </a:outerShdw>
+              </a:effectLst>
+            </a:endParaRPr>
+          </a:p>
+        </p:txBody>
+      </p:sp>
+      <p:sp>
+        <p:nvSpPr>
+          <p:cNvPr id="12" name="Rectangle 11">
+            <a:extLst>
+              <a:ext uri="{FF2B5EF4-FFF2-40B4-BE49-F238E27FC236}">
+                <a16:creationId xmlns:a16="http://schemas.microsoft.com/office/drawing/2014/main" id="{E4F52E2D-53DA-A2D6-0C73-EC98D3AC52F7}"/>
+              </a:ext>
+            </a:extLst>
+          </p:cNvPr>
+          <p:cNvSpPr/>
+          <p:nvPr/>
+        </p:nvSpPr>
+        <p:spPr>
+          <a:xfrm>
+            <a:off x="3608364" y="1656761"/>
+            <a:ext cx="5269888" cy="381958"/>
+          </a:xfrm>
+          <a:prstGeom prst="rect">
+            <a:avLst/>
+          </a:prstGeom>
+        </p:spPr>
+        <p:style>
+          <a:lnRef idx="2">
+            <a:schemeClr val="accent1"/>
+          </a:lnRef>
+          <a:fillRef idx="1">
+            <a:schemeClr val="lt1"/>
+          </a:fillRef>
+          <a:effectRef idx="0">
+            <a:schemeClr val="accent1"/>
+          </a:effectRef>
+          <a:fontRef idx="minor">
+            <a:schemeClr val="dk1"/>
+          </a:fontRef>
+        </p:style>
+        <p:txBody>
+          <a:bodyPr rtlCol="0" anchor="ctr"/>
+          <a:lstStyle/>
+          <a:p>
+            <a:pPr algn="ctr"/>
+            <a:r>
+              <a:rPr lang="en-US" dirty="0"/>
+              <a:t>Search</a:t>
+            </a:r>
+          </a:p>
+        </p:txBody>
+      </p:sp>
+      <p:grpSp>
+        <p:nvGrpSpPr>
+          <p:cNvPr id="4" name="Group 3">
+            <a:extLst>
+              <a:ext uri="{FF2B5EF4-FFF2-40B4-BE49-F238E27FC236}">
+                <a16:creationId xmlns:a16="http://schemas.microsoft.com/office/drawing/2014/main" id="{6A96F623-C31C-623F-A629-49AEA65B7952}"/>
+              </a:ext>
+            </a:extLst>
+          </p:cNvPr>
+          <p:cNvGrpSpPr/>
+          <p:nvPr/>
+        </p:nvGrpSpPr>
+        <p:grpSpPr>
+          <a:xfrm>
+            <a:off x="2416980" y="127087"/>
+            <a:ext cx="1658468" cy="372496"/>
+            <a:chOff x="2416980" y="127087"/>
+            <a:chExt cx="1658468" cy="372496"/>
+          </a:xfrm>
+        </p:grpSpPr>
         <p:sp>
           <p:nvSpPr>
             <p:cNvPr id="39" name="Rectangle 38">
@@ -4214,7 +4167,7 @@
           </p:nvSpPr>
           <p:spPr>
             <a:xfrm>
-              <a:off x="3134978" y="112157"/>
+              <a:off x="3141279" y="127087"/>
               <a:ext cx="934169" cy="369332"/>
             </a:xfrm>
             <a:prstGeom prst="rect">
@@ -4238,7 +4191,7 @@
                     <a:prstDash val="solid"/>
                   </a:ln>
                   <a:solidFill>
-                    <a:srgbClr val="FFFFFF"/>
+                    <a:srgbClr val="92D050"/>
                   </a:solidFill>
                   <a:effectLst>
                     <a:outerShdw blurRad="38100" dist="22860" dir="5400000" algn="tl" rotWithShape="0">
@@ -4258,7 +4211,7 @@
                   <a:prstDash val="solid"/>
                 </a:ln>
                 <a:solidFill>
-                  <a:srgbClr val="FFFFFF"/>
+                  <a:srgbClr val="92D050"/>
                 </a:solidFill>
                 <a:effectLst>
                   <a:outerShdw blurRad="38100" dist="22860" dir="5400000" algn="tl" rotWithShape="0">
@@ -4285,7 +4238,7 @@
           </p:nvSpPr>
           <p:spPr>
             <a:xfrm>
-              <a:off x="2416980" y="95250"/>
+              <a:off x="2416980" y="130251"/>
               <a:ext cx="934169" cy="369332"/>
             </a:xfrm>
             <a:prstGeom prst="rect">
@@ -4309,7 +4262,7 @@
                     <a:prstDash val="solid"/>
                   </a:ln>
                   <a:solidFill>
-                    <a:srgbClr val="FFFFFF"/>
+                    <a:srgbClr val="92D050"/>
                   </a:solidFill>
                   <a:effectLst>
                     <a:outerShdw blurRad="38100" dist="22860" dir="5400000" algn="tl" rotWithShape="0">
@@ -4329,7 +4282,7 @@
                   <a:prstDash val="solid"/>
                 </a:ln>
                 <a:solidFill>
-                  <a:srgbClr val="FFFFFF"/>
+                  <a:srgbClr val="92D050"/>
                 </a:solidFill>
                 <a:effectLst>
                   <a:outerShdw blurRad="38100" dist="22860" dir="5400000" algn="tl" rotWithShape="0">
@@ -4380,10 +4333,10 @@
       </p:grpSpPr>
       <p:pic>
         <p:nvPicPr>
-          <p:cNvPr id="25" name="Picture 24">
-            <a:extLst>
-              <a:ext uri="{FF2B5EF4-FFF2-40B4-BE49-F238E27FC236}">
-                <a16:creationId xmlns:a16="http://schemas.microsoft.com/office/drawing/2014/main" id="{28665415-720C-F1E3-F530-D43D662DC2DA}"/>
+          <p:cNvPr id="8" name="Picture 7">
+            <a:extLst>
+              <a:ext uri="{FF2B5EF4-FFF2-40B4-BE49-F238E27FC236}">
+                <a16:creationId xmlns:a16="http://schemas.microsoft.com/office/drawing/2014/main" id="{986449B7-0DEF-330E-2589-454F11031E12}"/>
               </a:ext>
             </a:extLst>
           </p:cNvPr>
@@ -4414,890 +4367,6 @@
           </a:prstGeom>
         </p:spPr>
       </p:pic>
-      <p:sp>
-        <p:nvSpPr>
-          <p:cNvPr id="23" name="Rectangle 22">
-            <a:extLst>
-              <a:ext uri="{FF2B5EF4-FFF2-40B4-BE49-F238E27FC236}">
-                <a16:creationId xmlns:a16="http://schemas.microsoft.com/office/drawing/2014/main" id="{60FA7797-EEB6-9ADD-2298-E8D706DF81C4}"/>
-              </a:ext>
-            </a:extLst>
-          </p:cNvPr>
-          <p:cNvSpPr/>
-          <p:nvPr/>
-        </p:nvSpPr>
-        <p:spPr>
-          <a:xfrm>
-            <a:off x="-99303" y="5875792"/>
-            <a:ext cx="12390606" cy="982207"/>
-          </a:xfrm>
-          <a:prstGeom prst="rect">
-            <a:avLst/>
-          </a:prstGeom>
-          <a:solidFill>
-            <a:schemeClr val="accent1">
-              <a:lumMod val="50000"/>
-            </a:schemeClr>
-          </a:solidFill>
-        </p:spPr>
-        <p:style>
-          <a:lnRef idx="2">
-            <a:schemeClr val="accent1">
-              <a:shade val="50000"/>
-            </a:schemeClr>
-          </a:lnRef>
-          <a:fillRef idx="1">
-            <a:schemeClr val="accent1"/>
-          </a:fillRef>
-          <a:effectRef idx="0">
-            <a:schemeClr val="accent1"/>
-          </a:effectRef>
-          <a:fontRef idx="minor">
-            <a:schemeClr val="lt1"/>
-          </a:fontRef>
-        </p:style>
-        <p:txBody>
-          <a:bodyPr rtlCol="0" anchor="ctr"/>
-          <a:lstStyle/>
-          <a:p>
-            <a:pPr algn="ctr"/>
-            <a:endParaRPr lang="en-US"/>
-          </a:p>
-        </p:txBody>
-      </p:sp>
-      <p:grpSp>
-        <p:nvGrpSpPr>
-          <p:cNvPr id="8" name="Group 7">
-            <a:extLst>
-              <a:ext uri="{FF2B5EF4-FFF2-40B4-BE49-F238E27FC236}">
-                <a16:creationId xmlns:a16="http://schemas.microsoft.com/office/drawing/2014/main" id="{7E162835-150E-1A06-E6A4-5B8A43416131}"/>
-              </a:ext>
-            </a:extLst>
-          </p:cNvPr>
-          <p:cNvGrpSpPr/>
-          <p:nvPr/>
-        </p:nvGrpSpPr>
-        <p:grpSpPr>
-          <a:xfrm>
-            <a:off x="2518187" y="1344615"/>
-            <a:ext cx="5365896" cy="4168769"/>
-            <a:chOff x="600487" y="1275809"/>
-            <a:chExt cx="5365896" cy="4168769"/>
-          </a:xfrm>
-        </p:grpSpPr>
-        <p:grpSp>
-          <p:nvGrpSpPr>
-            <p:cNvPr id="20" name="Group 19">
-              <a:extLst>
-                <a:ext uri="{FF2B5EF4-FFF2-40B4-BE49-F238E27FC236}">
-                  <a16:creationId xmlns:a16="http://schemas.microsoft.com/office/drawing/2014/main" id="{86B6BDE2-C3D8-5906-2DB3-2EEF673DA4C1}"/>
-                </a:ext>
-              </a:extLst>
-            </p:cNvPr>
-            <p:cNvGrpSpPr/>
-            <p:nvPr/>
-          </p:nvGrpSpPr>
-          <p:grpSpPr>
-            <a:xfrm>
-              <a:off x="600487" y="1275809"/>
-              <a:ext cx="5365896" cy="4168769"/>
-              <a:chOff x="861459" y="1979185"/>
-              <a:chExt cx="2786113" cy="3785944"/>
-            </a:xfrm>
-          </p:grpSpPr>
-          <p:pic>
-            <p:nvPicPr>
-              <p:cNvPr id="11" name="Picture 10">
-                <a:extLst>
-                  <a:ext uri="{FF2B5EF4-FFF2-40B4-BE49-F238E27FC236}">
-                    <a16:creationId xmlns:a16="http://schemas.microsoft.com/office/drawing/2014/main" id="{A2C779EE-CEF4-A4E4-0F6D-CEDBE17E9F38}"/>
-                  </a:ext>
-                </a:extLst>
-              </p:cNvPr>
-              <p:cNvPicPr>
-                <a:picLocks noChangeAspect="1"/>
-              </p:cNvPicPr>
-              <p:nvPr/>
-            </p:nvPicPr>
-            <p:blipFill>
-              <a:blip r:embed="rId4"/>
-              <a:stretch>
-                <a:fillRect/>
-              </a:stretch>
-            </p:blipFill>
-            <p:spPr>
-              <a:xfrm>
-                <a:off x="861459" y="1979185"/>
-                <a:ext cx="2786113" cy="3785944"/>
-              </a:xfrm>
-              <a:prstGeom prst="rect">
-                <a:avLst/>
-              </a:prstGeom>
-            </p:spPr>
-          </p:pic>
-          <p:sp>
-            <p:nvSpPr>
-              <p:cNvPr id="13" name="TextBox 12">
-                <a:extLst>
-                  <a:ext uri="{FF2B5EF4-FFF2-40B4-BE49-F238E27FC236}">
-                    <a16:creationId xmlns:a16="http://schemas.microsoft.com/office/drawing/2014/main" id="{06CB362D-C26A-1906-7B35-01BA34CA3BD9}"/>
-                  </a:ext>
-                </a:extLst>
-              </p:cNvPr>
-              <p:cNvSpPr txBox="1"/>
-              <p:nvPr/>
-            </p:nvSpPr>
-            <p:spPr>
-              <a:xfrm>
-                <a:off x="1320127" y="2452530"/>
-                <a:ext cx="1197077" cy="1593223"/>
-              </a:xfrm>
-              <a:prstGeom prst="rect">
-                <a:avLst/>
-              </a:prstGeom>
-              <a:noFill/>
-            </p:spPr>
-            <p:txBody>
-              <a:bodyPr wrap="none" rtlCol="0">
-                <a:spAutoFit/>
-              </a:bodyPr>
-              <a:lstStyle/>
-              <a:p>
-                <a:r>
-                  <a:rPr lang="en-US" b="1" dirty="0"/>
-                  <a:t>CSS</a:t>
-                </a:r>
-              </a:p>
-              <a:p>
-                <a:r>
-                  <a:rPr lang="en-US" b="1" dirty="0"/>
-                  <a:t>True Definition:</a:t>
-                </a:r>
-              </a:p>
-              <a:p>
-                <a:r>
-                  <a:rPr lang="en-US" dirty="0"/>
-                  <a:t>Cascading Style Sheets</a:t>
-                </a:r>
-              </a:p>
-              <a:p>
-                <a:endParaRPr lang="en-US" dirty="0"/>
-              </a:p>
-              <a:p>
-                <a:r>
-                  <a:rPr lang="en-US" dirty="0"/>
-                  <a:t>Common Sense Stupid</a:t>
-                </a:r>
-              </a:p>
-              <a:p>
-                <a:r>
-                  <a:rPr lang="en-US" dirty="0"/>
-                  <a:t>Can’t See Shit</a:t>
-                </a:r>
-              </a:p>
-            </p:txBody>
-          </p:sp>
-        </p:grpSp>
-        <p:grpSp>
-          <p:nvGrpSpPr>
-            <p:cNvPr id="7" name="Group 6">
-              <a:extLst>
-                <a:ext uri="{FF2B5EF4-FFF2-40B4-BE49-F238E27FC236}">
-                  <a16:creationId xmlns:a16="http://schemas.microsoft.com/office/drawing/2014/main" id="{87B78B2B-9E69-4AC7-5A20-456A10F13777}"/>
-                </a:ext>
-              </a:extLst>
-            </p:cNvPr>
-            <p:cNvGrpSpPr/>
-            <p:nvPr/>
-          </p:nvGrpSpPr>
-          <p:grpSpPr>
-            <a:xfrm>
-              <a:off x="865391" y="4609559"/>
-              <a:ext cx="4322965" cy="731520"/>
-              <a:chOff x="865391" y="4609559"/>
-              <a:chExt cx="4322965" cy="731520"/>
-            </a:xfrm>
-          </p:grpSpPr>
-          <p:grpSp>
-            <p:nvGrpSpPr>
-              <p:cNvPr id="4" name="Group 3">
-                <a:extLst>
-                  <a:ext uri="{FF2B5EF4-FFF2-40B4-BE49-F238E27FC236}">
-                    <a16:creationId xmlns:a16="http://schemas.microsoft.com/office/drawing/2014/main" id="{F282279B-7485-281E-6B9A-17B3DBE8AB9E}"/>
-                  </a:ext>
-                </a:extLst>
-              </p:cNvPr>
-              <p:cNvGrpSpPr/>
-              <p:nvPr/>
-            </p:nvGrpSpPr>
-            <p:grpSpPr>
-              <a:xfrm>
-                <a:off x="865391" y="4609559"/>
-                <a:ext cx="4322965" cy="731520"/>
-                <a:chOff x="865391" y="4609559"/>
-                <a:chExt cx="4322965" cy="731520"/>
-              </a:xfrm>
-            </p:grpSpPr>
-            <p:sp>
-              <p:nvSpPr>
-                <p:cNvPr id="2" name="Oval 1">
-                  <a:extLst>
-                    <a:ext uri="{FF2B5EF4-FFF2-40B4-BE49-F238E27FC236}">
-                      <a16:creationId xmlns:a16="http://schemas.microsoft.com/office/drawing/2014/main" id="{BD0E81A1-25C7-9FE1-7C71-1CA79CB0ADD9}"/>
-                    </a:ext>
-                  </a:extLst>
-                </p:cNvPr>
-                <p:cNvSpPr/>
-                <p:nvPr/>
-              </p:nvSpPr>
-              <p:spPr>
-                <a:xfrm>
-                  <a:off x="865391" y="4683710"/>
-                  <a:ext cx="476656" cy="476656"/>
-                </a:xfrm>
-                <a:prstGeom prst="ellipse">
-                  <a:avLst/>
-                </a:prstGeom>
-                <a:solidFill>
-                  <a:schemeClr val="accent3"/>
-                </a:solidFill>
-              </p:spPr>
-              <p:style>
-                <a:lnRef idx="2">
-                  <a:schemeClr val="accent1">
-                    <a:shade val="50000"/>
-                  </a:schemeClr>
-                </a:lnRef>
-                <a:fillRef idx="1">
-                  <a:schemeClr val="accent1"/>
-                </a:fillRef>
-                <a:effectRef idx="0">
-                  <a:schemeClr val="accent1"/>
-                </a:effectRef>
-                <a:fontRef idx="minor">
-                  <a:schemeClr val="lt1"/>
-                </a:fontRef>
-              </p:style>
-              <p:txBody>
-                <a:bodyPr rtlCol="0" anchor="ctr"/>
-                <a:lstStyle/>
-                <a:p>
-                  <a:pPr algn="ctr"/>
-                  <a:endParaRPr lang="en-US"/>
-                </a:p>
-              </p:txBody>
-            </p:sp>
-            <p:sp>
-              <p:nvSpPr>
-                <p:cNvPr id="16" name="Oval 15">
-                  <a:extLst>
-                    <a:ext uri="{FF2B5EF4-FFF2-40B4-BE49-F238E27FC236}">
-                      <a16:creationId xmlns:a16="http://schemas.microsoft.com/office/drawing/2014/main" id="{A1275A56-4A4B-CA88-6CD2-5621CE60392F}"/>
-                    </a:ext>
-                  </a:extLst>
-                </p:cNvPr>
-                <p:cNvSpPr/>
-                <p:nvPr/>
-              </p:nvSpPr>
-              <p:spPr>
-                <a:xfrm>
-                  <a:off x="1570962" y="4683710"/>
-                  <a:ext cx="476656" cy="476656"/>
-                </a:xfrm>
-                <a:prstGeom prst="ellipse">
-                  <a:avLst/>
-                </a:prstGeom>
-                <a:solidFill>
-                  <a:schemeClr val="bg2">
-                    <a:lumMod val="75000"/>
-                  </a:schemeClr>
-                </a:solidFill>
-              </p:spPr>
-              <p:style>
-                <a:lnRef idx="2">
-                  <a:schemeClr val="accent1">
-                    <a:shade val="50000"/>
-                  </a:schemeClr>
-                </a:lnRef>
-                <a:fillRef idx="1">
-                  <a:schemeClr val="accent1"/>
-                </a:fillRef>
-                <a:effectRef idx="0">
-                  <a:schemeClr val="accent1"/>
-                </a:effectRef>
-                <a:fontRef idx="minor">
-                  <a:schemeClr val="lt1"/>
-                </a:fontRef>
-              </p:style>
-              <p:txBody>
-                <a:bodyPr rtlCol="0" anchor="ctr"/>
-                <a:lstStyle/>
-                <a:p>
-                  <a:pPr algn="ctr"/>
-                  <a:endParaRPr lang="en-US"/>
-                </a:p>
-              </p:txBody>
-            </p:sp>
-            <p:sp>
-              <p:nvSpPr>
-                <p:cNvPr id="18" name="Oval 17">
-                  <a:extLst>
-                    <a:ext uri="{FF2B5EF4-FFF2-40B4-BE49-F238E27FC236}">
-                      <a16:creationId xmlns:a16="http://schemas.microsoft.com/office/drawing/2014/main" id="{01B557F4-10D0-F8D9-568A-FA1627AC3A1B}"/>
-                    </a:ext>
-                  </a:extLst>
-                </p:cNvPr>
-                <p:cNvSpPr/>
-                <p:nvPr/>
-              </p:nvSpPr>
-              <p:spPr>
-                <a:xfrm>
-                  <a:off x="4711700" y="4683710"/>
-                  <a:ext cx="476656" cy="476656"/>
-                </a:xfrm>
-                <a:prstGeom prst="ellipse">
-                  <a:avLst/>
-                </a:prstGeom>
-                <a:solidFill>
-                  <a:schemeClr val="bg2">
-                    <a:lumMod val="75000"/>
-                  </a:schemeClr>
-                </a:solidFill>
-              </p:spPr>
-              <p:style>
-                <a:lnRef idx="2">
-                  <a:schemeClr val="accent1">
-                    <a:shade val="50000"/>
-                  </a:schemeClr>
-                </a:lnRef>
-                <a:fillRef idx="1">
-                  <a:schemeClr val="accent1"/>
-                </a:fillRef>
-                <a:effectRef idx="0">
-                  <a:schemeClr val="accent1"/>
-                </a:effectRef>
-                <a:fontRef idx="minor">
-                  <a:schemeClr val="lt1"/>
-                </a:fontRef>
-              </p:style>
-              <p:txBody>
-                <a:bodyPr rtlCol="0" anchor="ctr"/>
-                <a:lstStyle/>
-                <a:p>
-                  <a:pPr algn="ctr"/>
-                  <a:endParaRPr lang="en-US"/>
-                </a:p>
-              </p:txBody>
-            </p:sp>
-            <p:sp>
-              <p:nvSpPr>
-                <p:cNvPr id="3" name="Rectangle 2">
-                  <a:extLst>
-                    <a:ext uri="{FF2B5EF4-FFF2-40B4-BE49-F238E27FC236}">
-                      <a16:creationId xmlns:a16="http://schemas.microsoft.com/office/drawing/2014/main" id="{E65CC664-4B29-FBF9-B751-CD2FA0C863FF}"/>
-                    </a:ext>
-                  </a:extLst>
-                </p:cNvPr>
-                <p:cNvSpPr/>
-                <p:nvPr/>
-              </p:nvSpPr>
-              <p:spPr>
-                <a:xfrm>
-                  <a:off x="4860556" y="4851154"/>
-                  <a:ext cx="198474" cy="177210"/>
-                </a:xfrm>
-                <a:prstGeom prst="rect">
-                  <a:avLst/>
-                </a:prstGeom>
-              </p:spPr>
-              <p:style>
-                <a:lnRef idx="2">
-                  <a:schemeClr val="dk1">
-                    <a:shade val="50000"/>
-                  </a:schemeClr>
-                </a:lnRef>
-                <a:fillRef idx="1">
-                  <a:schemeClr val="dk1"/>
-                </a:fillRef>
-                <a:effectRef idx="0">
-                  <a:schemeClr val="dk1"/>
-                </a:effectRef>
-                <a:fontRef idx="minor">
-                  <a:schemeClr val="lt1"/>
-                </a:fontRef>
-              </p:style>
-              <p:txBody>
-                <a:bodyPr rtlCol="0" anchor="ctr"/>
-                <a:lstStyle/>
-                <a:p>
-                  <a:pPr algn="ctr"/>
-                  <a:endParaRPr lang="en-US"/>
-                </a:p>
-              </p:txBody>
-            </p:sp>
-            <p:sp>
-              <p:nvSpPr>
-                <p:cNvPr id="24" name="Arrow: Down 23">
-                  <a:extLst>
-                    <a:ext uri="{FF2B5EF4-FFF2-40B4-BE49-F238E27FC236}">
-                      <a16:creationId xmlns:a16="http://schemas.microsoft.com/office/drawing/2014/main" id="{17D59724-8E6F-6992-4AD0-4973E54108D8}"/>
-                    </a:ext>
-                  </a:extLst>
-                </p:cNvPr>
-                <p:cNvSpPr/>
-                <p:nvPr/>
-              </p:nvSpPr>
-              <p:spPr>
-                <a:xfrm rot="10800000">
-                  <a:off x="1763571" y="4841334"/>
-                  <a:ext cx="45719" cy="177210"/>
-                </a:xfrm>
-                <a:prstGeom prst="downArrow">
-                  <a:avLst/>
-                </a:prstGeom>
-              </p:spPr>
-              <p:style>
-                <a:lnRef idx="2">
-                  <a:schemeClr val="dk1">
-                    <a:shade val="50000"/>
-                  </a:schemeClr>
-                </a:lnRef>
-                <a:fillRef idx="1">
-                  <a:schemeClr val="dk1"/>
-                </a:fillRef>
-                <a:effectRef idx="0">
-                  <a:schemeClr val="dk1"/>
-                </a:effectRef>
-                <a:fontRef idx="minor">
-                  <a:schemeClr val="lt1"/>
-                </a:fontRef>
-              </p:style>
-              <p:txBody>
-                <a:bodyPr rtlCol="0" anchor="ctr"/>
-                <a:lstStyle/>
-                <a:p>
-                  <a:pPr algn="ctr"/>
-                  <a:endParaRPr lang="en-US"/>
-                </a:p>
-              </p:txBody>
-            </p:sp>
-            <p:sp>
-              <p:nvSpPr>
-                <p:cNvPr id="6" name="Oval 5">
-                  <a:extLst>
-                    <a:ext uri="{FF2B5EF4-FFF2-40B4-BE49-F238E27FC236}">
-                      <a16:creationId xmlns:a16="http://schemas.microsoft.com/office/drawing/2014/main" id="{837C7CBB-7567-C551-30EF-C7985C4443AA}"/>
-                    </a:ext>
-                  </a:extLst>
-                </p:cNvPr>
-                <p:cNvSpPr/>
-                <p:nvPr/>
-              </p:nvSpPr>
-              <p:spPr>
-                <a:xfrm>
-                  <a:off x="2355850" y="4609559"/>
-                  <a:ext cx="1619533" cy="731520"/>
-                </a:xfrm>
-                <a:prstGeom prst="ellipse">
-                  <a:avLst/>
-                </a:prstGeom>
-                <a:solidFill>
-                  <a:schemeClr val="bg2">
-                    <a:lumMod val="75000"/>
-                  </a:schemeClr>
-                </a:solidFill>
-              </p:spPr>
-              <p:style>
-                <a:lnRef idx="2">
-                  <a:schemeClr val="accent1">
-                    <a:shade val="50000"/>
-                  </a:schemeClr>
-                </a:lnRef>
-                <a:fillRef idx="1">
-                  <a:schemeClr val="accent1"/>
-                </a:fillRef>
-                <a:effectRef idx="0">
-                  <a:schemeClr val="accent1"/>
-                </a:effectRef>
-                <a:fontRef idx="minor">
-                  <a:schemeClr val="lt1"/>
-                </a:fontRef>
-              </p:style>
-              <p:txBody>
-                <a:bodyPr rtlCol="0" anchor="ctr"/>
-                <a:lstStyle/>
-                <a:p>
-                  <a:pPr algn="ctr"/>
-                  <a:r>
-                    <a:rPr lang="en-US" sz="1200" dirty="0">
-                      <a:ln w="0"/>
-                      <a:solidFill>
-                        <a:schemeClr val="bg1"/>
-                      </a:solidFill>
-                      <a:effectLst>
-                        <a:outerShdw blurRad="38100" dist="19050" dir="2700000" algn="tl" rotWithShape="0">
-                          <a:schemeClr val="dk1">
-                            <a:alpha val="40000"/>
-                          </a:schemeClr>
-                        </a:outerShdw>
-                      </a:effectLst>
-                    </a:rPr>
-                    <a:t>Add your Definition</a:t>
-                  </a:r>
-                </a:p>
-              </p:txBody>
-            </p:sp>
-          </p:grpSp>
-          <p:sp>
-            <p:nvSpPr>
-              <p:cNvPr id="5" name="Arrow: Down 4">
-                <a:extLst>
-                  <a:ext uri="{FF2B5EF4-FFF2-40B4-BE49-F238E27FC236}">
-                    <a16:creationId xmlns:a16="http://schemas.microsoft.com/office/drawing/2014/main" id="{7DB61DA7-111E-C851-7DDF-5D3E34EAD4BB}"/>
-                  </a:ext>
-                </a:extLst>
-              </p:cNvPr>
-              <p:cNvSpPr/>
-              <p:nvPr/>
-            </p:nvSpPr>
-            <p:spPr>
-              <a:xfrm>
-                <a:off x="1089542" y="4851154"/>
-                <a:ext cx="45719" cy="177210"/>
-              </a:xfrm>
-              <a:prstGeom prst="downArrow">
-                <a:avLst/>
-              </a:prstGeom>
-            </p:spPr>
-            <p:style>
-              <a:lnRef idx="2">
-                <a:schemeClr val="dk1">
-                  <a:shade val="50000"/>
-                </a:schemeClr>
-              </a:lnRef>
-              <a:fillRef idx="1">
-                <a:schemeClr val="dk1"/>
-              </a:fillRef>
-              <a:effectRef idx="0">
-                <a:schemeClr val="dk1"/>
-              </a:effectRef>
-              <a:fontRef idx="minor">
-                <a:schemeClr val="lt1"/>
-              </a:fontRef>
-            </p:style>
-            <p:txBody>
-              <a:bodyPr rtlCol="0" anchor="ctr"/>
-              <a:lstStyle/>
-              <a:p>
-                <a:pPr algn="ctr"/>
-                <a:endParaRPr lang="en-US"/>
-              </a:p>
-            </p:txBody>
-          </p:sp>
-        </p:grpSp>
-      </p:grpSp>
-      <p:pic>
-        <p:nvPicPr>
-          <p:cNvPr id="14" name="Picture 13">
-            <a:extLst>
-              <a:ext uri="{FF2B5EF4-FFF2-40B4-BE49-F238E27FC236}">
-                <a16:creationId xmlns:a16="http://schemas.microsoft.com/office/drawing/2014/main" id="{EAB68426-F538-F5BA-D33B-C839D634E6B1}"/>
-              </a:ext>
-            </a:extLst>
-          </p:cNvPr>
-          <p:cNvPicPr>
-            <a:picLocks noChangeAspect="1"/>
-          </p:cNvPicPr>
-          <p:nvPr/>
-        </p:nvPicPr>
-        <p:blipFill>
-          <a:blip r:embed="rId5"/>
-          <a:stretch>
-            <a:fillRect/>
-          </a:stretch>
-        </p:blipFill>
-        <p:spPr>
-          <a:xfrm>
-            <a:off x="-202917" y="-27412"/>
-            <a:ext cx="12192000" cy="1167067"/>
-          </a:xfrm>
-          <a:prstGeom prst="rect">
-            <a:avLst/>
-          </a:prstGeom>
-        </p:spPr>
-      </p:pic>
-    </p:spTree>
-    <p:extLst>
-      <p:ext uri="{BB962C8B-B14F-4D97-AF65-F5344CB8AC3E}">
-        <p14:creationId xmlns:p14="http://schemas.microsoft.com/office/powerpoint/2010/main" val="3362365171"/>
-      </p:ext>
-    </p:extLst>
-  </p:cSld>
-  <p:clrMapOvr>
-    <a:masterClrMapping/>
-  </p:clrMapOvr>
-  <p:extLst>
-    <p:ext uri="{6950BFC3-D8DA-4A85-94F7-54DA5524770B}">
-      <p188:commentRel xmlns:p188="http://schemas.microsoft.com/office/powerpoint/2018/8/main" r:id="rId2"/>
-    </p:ext>
-  </p:extLst>
-</p:sld>
-</file>
-
-<file path=ppt/slides/slide3.xml><?xml version="1.0" encoding="utf-8"?>
-<p:sld xmlns:a="http://schemas.openxmlformats.org/drawingml/2006/main" xmlns:r="http://schemas.openxmlformats.org/officeDocument/2006/relationships" xmlns:p="http://schemas.openxmlformats.org/presentationml/2006/main">
-  <p:cSld>
-    <p:spTree>
-      <p:nvGrpSpPr>
-        <p:cNvPr id="1" name=""/>
-        <p:cNvGrpSpPr/>
-        <p:nvPr/>
-      </p:nvGrpSpPr>
-      <p:grpSpPr>
-        <a:xfrm>
-          <a:off x="0" y="0"/>
-          <a:ext cx="0" cy="0"/>
-          <a:chOff x="0" y="0"/>
-          <a:chExt cx="0" cy="0"/>
-        </a:xfrm>
-      </p:grpSpPr>
-      <p:pic>
-        <p:nvPicPr>
-          <p:cNvPr id="8" name="Picture 7">
-            <a:extLst>
-              <a:ext uri="{FF2B5EF4-FFF2-40B4-BE49-F238E27FC236}">
-                <a16:creationId xmlns:a16="http://schemas.microsoft.com/office/drawing/2014/main" id="{986449B7-0DEF-330E-2589-454F11031E12}"/>
-              </a:ext>
-            </a:extLst>
-          </p:cNvPr>
-          <p:cNvPicPr>
-            <a:picLocks noChangeAspect="1"/>
-          </p:cNvPicPr>
-          <p:nvPr/>
-        </p:nvPicPr>
-        <p:blipFill>
-          <a:blip r:embed="rId3">
-            <a:extLst>
-              <a:ext uri="{28A0092B-C50C-407E-A947-70E740481C1C}">
-                <a14:useLocalDpi xmlns:a14="http://schemas.microsoft.com/office/drawing/2010/main" val="0"/>
-              </a:ext>
-            </a:extLst>
-          </a:blip>
-          <a:stretch>
-            <a:fillRect/>
-          </a:stretch>
-        </p:blipFill>
-        <p:spPr>
-          <a:xfrm>
-            <a:off x="-99303" y="0"/>
-            <a:ext cx="12390606" cy="6858000"/>
-          </a:xfrm>
-          <a:prstGeom prst="rect">
-            <a:avLst/>
-          </a:prstGeom>
-        </p:spPr>
-      </p:pic>
-      <p:grpSp>
-        <p:nvGrpSpPr>
-          <p:cNvPr id="20" name="Group 19">
-            <a:extLst>
-              <a:ext uri="{FF2B5EF4-FFF2-40B4-BE49-F238E27FC236}">
-                <a16:creationId xmlns:a16="http://schemas.microsoft.com/office/drawing/2014/main" id="{86B6BDE2-C3D8-5906-2DB3-2EEF673DA4C1}"/>
-              </a:ext>
-            </a:extLst>
-          </p:cNvPr>
-          <p:cNvGrpSpPr/>
-          <p:nvPr/>
-        </p:nvGrpSpPr>
-        <p:grpSpPr>
-          <a:xfrm>
-            <a:off x="166798" y="2092599"/>
-            <a:ext cx="2786113" cy="1212132"/>
-            <a:chOff x="861459" y="1979185"/>
-            <a:chExt cx="2786113" cy="3785944"/>
-          </a:xfrm>
-        </p:grpSpPr>
-        <p:pic>
-          <p:nvPicPr>
-            <p:cNvPr id="11" name="Picture 10">
-              <a:extLst>
-                <a:ext uri="{FF2B5EF4-FFF2-40B4-BE49-F238E27FC236}">
-                  <a16:creationId xmlns:a16="http://schemas.microsoft.com/office/drawing/2014/main" id="{A2C779EE-CEF4-A4E4-0F6D-CEDBE17E9F38}"/>
-                </a:ext>
-              </a:extLst>
-            </p:cNvPr>
-            <p:cNvPicPr>
-              <a:picLocks noChangeAspect="1"/>
-            </p:cNvPicPr>
-            <p:nvPr/>
-          </p:nvPicPr>
-          <p:blipFill>
-            <a:blip r:embed="rId4"/>
-            <a:stretch>
-              <a:fillRect/>
-            </a:stretch>
-          </p:blipFill>
-          <p:spPr>
-            <a:xfrm>
-              <a:off x="861459" y="1979185"/>
-              <a:ext cx="2786113" cy="3785944"/>
-            </a:xfrm>
-            <a:prstGeom prst="rect">
-              <a:avLst/>
-            </a:prstGeom>
-          </p:spPr>
-        </p:pic>
-        <p:sp>
-          <p:nvSpPr>
-            <p:cNvPr id="13" name="TextBox 12">
-              <a:extLst>
-                <a:ext uri="{FF2B5EF4-FFF2-40B4-BE49-F238E27FC236}">
-                  <a16:creationId xmlns:a16="http://schemas.microsoft.com/office/drawing/2014/main" id="{06CB362D-C26A-1906-7B35-01BA34CA3BD9}"/>
-                </a:ext>
-              </a:extLst>
-            </p:cNvPr>
-            <p:cNvSpPr txBox="1"/>
-            <p:nvPr/>
-          </p:nvSpPr>
-          <p:spPr>
-            <a:xfrm>
-              <a:off x="1320127" y="2452530"/>
-              <a:ext cx="678391" cy="369332"/>
-            </a:xfrm>
-            <a:prstGeom prst="rect">
-              <a:avLst/>
-            </a:prstGeom>
-            <a:noFill/>
-          </p:spPr>
-          <p:txBody>
-            <a:bodyPr wrap="none" rtlCol="0">
-              <a:spAutoFit/>
-            </a:bodyPr>
-            <a:lstStyle/>
-            <a:p>
-              <a:r>
-                <a:rPr lang="en-US" b="1" dirty="0"/>
-                <a:t>JSON</a:t>
-              </a:r>
-              <a:endParaRPr lang="en-US" dirty="0"/>
-            </a:p>
-          </p:txBody>
-        </p:sp>
-      </p:grpSp>
-      <p:grpSp>
-        <p:nvGrpSpPr>
-          <p:cNvPr id="21" name="Group 20">
-            <a:extLst>
-              <a:ext uri="{FF2B5EF4-FFF2-40B4-BE49-F238E27FC236}">
-                <a16:creationId xmlns:a16="http://schemas.microsoft.com/office/drawing/2014/main" id="{9F866E54-7DE3-562A-64C8-5F2C4A37BBF5}"/>
-              </a:ext>
-            </a:extLst>
-          </p:cNvPr>
-          <p:cNvGrpSpPr/>
-          <p:nvPr/>
-        </p:nvGrpSpPr>
-        <p:grpSpPr>
-          <a:xfrm>
-            <a:off x="3141808" y="2118668"/>
-            <a:ext cx="2755312" cy="1212132"/>
-            <a:chOff x="4663339" y="1979185"/>
-            <a:chExt cx="2755312" cy="3756004"/>
-          </a:xfrm>
-        </p:grpSpPr>
-        <p:sp>
-          <p:nvSpPr>
-            <p:cNvPr id="4" name="Rectangle: Rounded Corners 3">
-              <a:extLst>
-                <a:ext uri="{FF2B5EF4-FFF2-40B4-BE49-F238E27FC236}">
-                  <a16:creationId xmlns:a16="http://schemas.microsoft.com/office/drawing/2014/main" id="{2DB19F35-B704-C5EB-2E96-E004AD75727B}"/>
-                </a:ext>
-              </a:extLst>
-            </p:cNvPr>
-            <p:cNvSpPr/>
-            <p:nvPr/>
-          </p:nvSpPr>
-          <p:spPr>
-            <a:xfrm>
-              <a:off x="4663339" y="1979185"/>
-              <a:ext cx="2755312" cy="3756004"/>
-            </a:xfrm>
-            <a:prstGeom prst="roundRect">
-              <a:avLst/>
-            </a:prstGeom>
-            <a:solidFill>
-              <a:schemeClr val="bg1"/>
-            </a:solidFill>
-            <a:ln w="28575">
-              <a:solidFill>
-                <a:schemeClr val="tx1"/>
-              </a:solidFill>
-            </a:ln>
-          </p:spPr>
-          <p:style>
-            <a:lnRef idx="2">
-              <a:schemeClr val="accent1">
-                <a:shade val="50000"/>
-              </a:schemeClr>
-            </a:lnRef>
-            <a:fillRef idx="1">
-              <a:schemeClr val="accent1"/>
-            </a:fillRef>
-            <a:effectRef idx="0">
-              <a:schemeClr val="accent1"/>
-            </a:effectRef>
-            <a:fontRef idx="minor">
-              <a:schemeClr val="lt1"/>
-            </a:fontRef>
-          </p:style>
-          <p:txBody>
-            <a:bodyPr rtlCol="0" anchor="ctr"/>
-            <a:lstStyle/>
-            <a:p>
-              <a:pPr algn="ctr"/>
-              <a:endParaRPr lang="en-US"/>
-            </a:p>
-          </p:txBody>
-        </p:sp>
-        <p:sp>
-          <p:nvSpPr>
-            <p:cNvPr id="14" name="TextBox 13">
-              <a:extLst>
-                <a:ext uri="{FF2B5EF4-FFF2-40B4-BE49-F238E27FC236}">
-                  <a16:creationId xmlns:a16="http://schemas.microsoft.com/office/drawing/2014/main" id="{89696AFE-850F-3ED0-1913-048D4AB42E47}"/>
-                </a:ext>
-              </a:extLst>
-            </p:cNvPr>
-            <p:cNvSpPr txBox="1"/>
-            <p:nvPr/>
-          </p:nvSpPr>
-          <p:spPr>
-            <a:xfrm>
-              <a:off x="4911733" y="2454280"/>
-              <a:ext cx="2246021" cy="646331"/>
-            </a:xfrm>
-            <a:prstGeom prst="rect">
-              <a:avLst/>
-            </a:prstGeom>
-            <a:noFill/>
-          </p:spPr>
-          <p:txBody>
-            <a:bodyPr wrap="square" rtlCol="0">
-              <a:spAutoFit/>
-            </a:bodyPr>
-            <a:lstStyle/>
-            <a:p>
-              <a:pPr algn="ctr"/>
-              <a:r>
-                <a:rPr lang="en-US" b="1" dirty="0"/>
-                <a:t>CSS</a:t>
-              </a:r>
-            </a:p>
-            <a:p>
-              <a:endParaRPr lang="en-US" dirty="0"/>
-            </a:p>
-          </p:txBody>
-        </p:sp>
-      </p:grpSp>
       <p:sp>
         <p:nvSpPr>
           <p:cNvPr id="23" name="Rectangle 22">
@@ -5349,63 +4418,6 @@
           </a:p>
         </p:txBody>
       </p:sp>
-      <p:sp>
-        <p:nvSpPr>
-          <p:cNvPr id="2" name="Rectangle: Rounded Corners 1">
-            <a:extLst>
-              <a:ext uri="{FF2B5EF4-FFF2-40B4-BE49-F238E27FC236}">
-                <a16:creationId xmlns:a16="http://schemas.microsoft.com/office/drawing/2014/main" id="{C9565339-FA6D-1429-6B42-8AE7BA13D859}"/>
-              </a:ext>
-            </a:extLst>
-          </p:cNvPr>
-          <p:cNvSpPr/>
-          <p:nvPr/>
-        </p:nvSpPr>
-        <p:spPr>
-          <a:xfrm>
-            <a:off x="166798" y="1328389"/>
-            <a:ext cx="5695285" cy="618079"/>
-          </a:xfrm>
-          <a:prstGeom prst="roundRect">
-            <a:avLst/>
-          </a:prstGeom>
-          <a:solidFill>
-            <a:schemeClr val="bg1"/>
-          </a:solidFill>
-          <a:ln w="12700"/>
-        </p:spPr>
-        <p:style>
-          <a:lnRef idx="2">
-            <a:schemeClr val="accent1">
-              <a:shade val="50000"/>
-            </a:schemeClr>
-          </a:lnRef>
-          <a:fillRef idx="1">
-            <a:schemeClr val="accent1"/>
-          </a:fillRef>
-          <a:effectRef idx="0">
-            <a:schemeClr val="accent1"/>
-          </a:effectRef>
-          <a:fontRef idx="minor">
-            <a:schemeClr val="lt1"/>
-          </a:fontRef>
-        </p:style>
-        <p:txBody>
-          <a:bodyPr rtlCol="0" anchor="ctr"/>
-          <a:lstStyle/>
-          <a:p>
-            <a:pPr algn="ctr"/>
-            <a:r>
-              <a:rPr lang="en-US" b="1" dirty="0">
-                <a:solidFill>
-                  <a:schemeClr val="tx1"/>
-                </a:solidFill>
-              </a:rPr>
-              <a:t>My Commented Definitions</a:t>
-            </a:r>
-          </a:p>
-        </p:txBody>
-      </p:sp>
       <p:pic>
         <p:nvPicPr>
           <p:cNvPr id="3" name="Picture 2">
@@ -5421,14 +4433,14 @@
           <p:nvPr/>
         </p:nvPicPr>
         <p:blipFill>
-          <a:blip r:embed="rId5"/>
+          <a:blip r:embed="rId4"/>
           <a:stretch>
             <a:fillRect/>
           </a:stretch>
         </p:blipFill>
         <p:spPr>
           <a:xfrm>
-            <a:off x="6294882" y="1391691"/>
+            <a:off x="2799060" y="1567544"/>
             <a:ext cx="5755123" cy="1969179"/>
           </a:xfrm>
           <a:prstGeom prst="rect">
@@ -5451,7 +4463,7 @@
           <p:nvPr/>
         </p:nvPicPr>
         <p:blipFill>
-          <a:blip r:embed="rId6"/>
+          <a:blip r:embed="rId5"/>
           <a:stretch>
             <a:fillRect/>
           </a:stretch>
@@ -5484,7 +4496,7 @@
 </p:sld>
 </file>
 
-<file path=ppt/slides/slide4.xml><?xml version="1.0" encoding="utf-8"?>
+<file path=ppt/slides/slide3.xml><?xml version="1.0" encoding="utf-8"?>
 <p:sld xmlns:a="http://schemas.openxmlformats.org/drawingml/2006/main" xmlns:r="http://schemas.openxmlformats.org/officeDocument/2006/relationships" xmlns:p="http://schemas.openxmlformats.org/presentationml/2006/main">
   <p:cSld>
     <p:spTree>
